--- a/Capstone Project.pptx
+++ b/Capstone Project.pptx
@@ -19981,172 +19981,6 @@
       </p:sp>
       <p:sp>
         <p:nvSpPr>
-          <p:cNvPr id="2" name="Title 1">
-            <a:extLst>
-              <a:ext uri="{FF2B5EF4-FFF2-40B4-BE49-F238E27FC236}">
-                <a16:creationId xmlns:a16="http://schemas.microsoft.com/office/drawing/2014/main" id="{E2C50832-0B36-43C5-98EC-4CD165D78718}"/>
-              </a:ext>
-            </a:extLst>
-          </p:cNvPr>
-          <p:cNvSpPr>
-            <a:spLocks noGrp="1"/>
-          </p:cNvSpPr>
-          <p:nvPr>
-            <p:ph type="title"/>
-          </p:nvPr>
-        </p:nvSpPr>
-        <p:spPr>
-          <a:xfrm>
-            <a:off x="515938" y="402260"/>
-            <a:ext cx="4937211" cy="1325563"/>
-          </a:xfrm>
-        </p:spPr>
-        <p:txBody>
-          <a:bodyPr/>
-          <a:lstStyle/>
-          <a:p>
-            <a:r>
-              <a:rPr lang="en-US" sz="4000" dirty="0"/>
-              <a:t> business problem</a:t>
-            </a:r>
-            <a:br>
-              <a:rPr lang="en-US" dirty="0"/>
-            </a:br>
-            <a:endParaRPr lang="en-US" dirty="0"/>
-          </a:p>
-        </p:txBody>
-      </p:sp>
-      <p:sp>
-        <p:nvSpPr>
-          <p:cNvPr id="3" name="Content Placeholder 2">
-            <a:extLst>
-              <a:ext uri="{FF2B5EF4-FFF2-40B4-BE49-F238E27FC236}">
-                <a16:creationId xmlns:a16="http://schemas.microsoft.com/office/drawing/2014/main" id="{552A9C73-06ED-419B-81B5-491CBFC22330}"/>
-              </a:ext>
-            </a:extLst>
-          </p:cNvPr>
-          <p:cNvSpPr>
-            <a:spLocks noGrp="1"/>
-          </p:cNvSpPr>
-          <p:nvPr>
-            <p:ph idx="1"/>
-          </p:nvPr>
-        </p:nvSpPr>
-        <p:spPr>
-          <a:xfrm>
-            <a:off x="538961" y="1358900"/>
-            <a:ext cx="5112540" cy="4716463"/>
-          </a:xfrm>
-        </p:spPr>
-        <p:txBody>
-          <a:bodyPr/>
-          <a:lstStyle/>
-          <a:p>
-            <a:pPr>
-              <a:buFont typeface="Wingdings" panose="05000000000000000000" pitchFamily="2" charset="2"/>
-              <a:buChar char="Ø"/>
-            </a:pPr>
-            <a:r>
-              <a:rPr lang="en-US" sz="1900" dirty="0"/>
-              <a:t>Opening a new Chinese restaurant in big city like Toronto</a:t>
-            </a:r>
-          </a:p>
-          <a:p>
-            <a:pPr>
-              <a:buFont typeface="Wingdings" panose="05000000000000000000" pitchFamily="2" charset="2"/>
-              <a:buChar char="Ø"/>
-            </a:pPr>
-            <a:r>
-              <a:rPr lang="en-US" sz="1900" dirty="0"/>
-              <a:t>Existing restaurants present in the city making it a tougher task to success in this field.</a:t>
-            </a:r>
-          </a:p>
-          <a:p>
-            <a:pPr>
-              <a:buFont typeface="Wingdings" panose="05000000000000000000" pitchFamily="2" charset="2"/>
-              <a:buChar char="Ø"/>
-            </a:pPr>
-            <a:r>
-              <a:rPr lang="en-US" sz="1900" dirty="0"/>
-              <a:t>Factors that may affect the success of the business:</a:t>
-            </a:r>
-          </a:p>
-          <a:p>
-            <a:pPr marL="0" indent="0">
-              <a:buNone/>
-            </a:pPr>
-            <a:r>
-              <a:rPr lang="en-US" sz="1900" dirty="0"/>
-              <a:t>    1. Population</a:t>
-            </a:r>
-          </a:p>
-          <a:p>
-            <a:pPr marL="0" indent="0">
-              <a:buNone/>
-            </a:pPr>
-            <a:r>
-              <a:rPr lang="en-US" sz="1900" dirty="0"/>
-              <a:t>    2. Ability and willingness to spend</a:t>
-            </a:r>
-          </a:p>
-          <a:p>
-            <a:pPr marL="0" indent="0">
-              <a:buNone/>
-            </a:pPr>
-            <a:r>
-              <a:rPr lang="en-US" sz="1900" dirty="0"/>
-              <a:t>    3. Competition with other restaurant</a:t>
-            </a:r>
-          </a:p>
-          <a:p>
-            <a:pPr marL="0" indent="0">
-              <a:buNone/>
-            </a:pPr>
-            <a:r>
-              <a:rPr lang="en-US" sz="1900" dirty="0"/>
-              <a:t>    4. Quality of food and type of cuisine </a:t>
-            </a:r>
-          </a:p>
-        </p:txBody>
-      </p:sp>
-      <p:pic>
-        <p:nvPicPr>
-          <p:cNvPr id="7" name="Picture Placeholder 6" descr="skyscrappers">
-            <a:extLst>
-              <a:ext uri="{FF2B5EF4-FFF2-40B4-BE49-F238E27FC236}">
-                <a16:creationId xmlns:a16="http://schemas.microsoft.com/office/drawing/2014/main" id="{A241642C-CB49-4AA1-9EAD-3BCEA280B5B6}"/>
-              </a:ext>
-            </a:extLst>
-          </p:cNvPr>
-          <p:cNvPicPr>
-            <a:picLocks noGrp="1" noChangeAspect="1"/>
-          </p:cNvPicPr>
-          <p:nvPr>
-            <p:ph type="pic" sz="quarter" idx="13"/>
-          </p:nvPr>
-        </p:nvPicPr>
-        <p:blipFill>
-          <a:blip r:embed="rId3" cstate="print">
-            <a:extLst>
-              <a:ext uri="{28A0092B-C50C-407E-A947-70E740481C1C}">
-                <a14:useLocalDpi xmlns:a14="http://schemas.microsoft.com/office/drawing/2010/main"/>
-              </a:ext>
-            </a:extLst>
-          </a:blip>
-          <a:srcRect/>
-          <a:stretch>
-            <a:fillRect/>
-          </a:stretch>
-        </p:blipFill>
-        <p:spPr>
-          <a:xfrm>
-            <a:off x="5884647" y="0"/>
-            <a:ext cx="6307353" cy="5780372"/>
-          </a:xfrm>
-        </p:spPr>
-      </p:pic>
-      <p:sp>
-        <p:nvSpPr>
           <p:cNvPr id="4" name="Slide Number Placeholder 3">
             <a:extLst>
               <a:ext uri="{FF2B5EF4-FFF2-40B4-BE49-F238E27FC236}">
@@ -20177,6 +20011,133 @@
       </p:sp>
       <p:sp>
         <p:nvSpPr>
+          <p:cNvPr id="2" name="Title 1">
+            <a:extLst>
+              <a:ext uri="{FF2B5EF4-FFF2-40B4-BE49-F238E27FC236}">
+                <a16:creationId xmlns:a16="http://schemas.microsoft.com/office/drawing/2014/main" id="{E2C50832-0B36-43C5-98EC-4CD165D78718}"/>
+              </a:ext>
+            </a:extLst>
+          </p:cNvPr>
+          <p:cNvSpPr>
+            <a:spLocks noGrp="1"/>
+          </p:cNvSpPr>
+          <p:nvPr>
+            <p:ph type="title"/>
+          </p:nvPr>
+        </p:nvSpPr>
+        <p:spPr/>
+        <p:txBody>
+          <a:bodyPr/>
+          <a:lstStyle/>
+          <a:p>
+            <a:r>
+              <a:rPr lang="en-US" sz="4000" dirty="0"/>
+              <a:t> Business Problem</a:t>
+            </a:r>
+            <a:br>
+              <a:rPr lang="en-US" dirty="0"/>
+            </a:br>
+            <a:endParaRPr lang="en-US" dirty="0"/>
+          </a:p>
+        </p:txBody>
+      </p:sp>
+      <p:sp>
+        <p:nvSpPr>
+          <p:cNvPr id="3" name="Content Placeholder 2">
+            <a:extLst>
+              <a:ext uri="{FF2B5EF4-FFF2-40B4-BE49-F238E27FC236}">
+                <a16:creationId xmlns:a16="http://schemas.microsoft.com/office/drawing/2014/main" id="{552A9C73-06ED-419B-81B5-491CBFC22330}"/>
+              </a:ext>
+            </a:extLst>
+          </p:cNvPr>
+          <p:cNvSpPr>
+            <a:spLocks noGrp="1"/>
+          </p:cNvSpPr>
+          <p:nvPr>
+            <p:ph idx="1"/>
+          </p:nvPr>
+        </p:nvSpPr>
+        <p:spPr>
+          <a:xfrm>
+            <a:off x="515938" y="1485900"/>
+            <a:ext cx="10837862" cy="4691063"/>
+          </a:xfrm>
+        </p:spPr>
+        <p:txBody>
+          <a:bodyPr>
+            <a:normAutofit/>
+          </a:bodyPr>
+          <a:lstStyle/>
+          <a:p>
+            <a:pPr>
+              <a:buFont typeface="Wingdings" panose="05000000000000000000" pitchFamily="2" charset="2"/>
+              <a:buChar char="Ø"/>
+            </a:pPr>
+            <a:r>
+              <a:rPr lang="en-US" sz="2400" dirty="0"/>
+              <a:t>Opening a new Chinese restaurant in big city like Toronto</a:t>
+            </a:r>
+          </a:p>
+          <a:p>
+            <a:pPr>
+              <a:buFont typeface="Wingdings" panose="05000000000000000000" pitchFamily="2" charset="2"/>
+              <a:buChar char="Ø"/>
+            </a:pPr>
+            <a:r>
+              <a:rPr lang="en-US" sz="2400" dirty="0"/>
+              <a:t>Existing restaurants present in the city making it a tougher task to success in this field.</a:t>
+            </a:r>
+          </a:p>
+          <a:p>
+            <a:pPr>
+              <a:buFont typeface="Wingdings" panose="05000000000000000000" pitchFamily="2" charset="2"/>
+              <a:buChar char="Ø"/>
+            </a:pPr>
+            <a:r>
+              <a:rPr lang="en-US" sz="2400" dirty="0"/>
+              <a:t>Factors that may affect the success of the business:</a:t>
+            </a:r>
+          </a:p>
+          <a:p>
+            <a:pPr marL="0" indent="0">
+              <a:buNone/>
+            </a:pPr>
+            <a:r>
+              <a:rPr lang="en-US" sz="2400" dirty="0"/>
+              <a:t>    1. Population</a:t>
+            </a:r>
+          </a:p>
+          <a:p>
+            <a:pPr marL="0" indent="0">
+              <a:buNone/>
+            </a:pPr>
+            <a:r>
+              <a:rPr lang="en-US" sz="2400" dirty="0"/>
+              <a:t>    2. Ability and willingness to spend</a:t>
+            </a:r>
+          </a:p>
+          <a:p>
+            <a:pPr marL="0" indent="0">
+              <a:buNone/>
+            </a:pPr>
+            <a:r>
+              <a:rPr lang="en-US" sz="2400" dirty="0"/>
+              <a:t>    3. Competition with other restaurant</a:t>
+            </a:r>
+          </a:p>
+          <a:p>
+            <a:pPr marL="0" indent="0">
+              <a:buNone/>
+            </a:pPr>
+            <a:r>
+              <a:rPr lang="en-US" sz="2400" dirty="0"/>
+              <a:t>    4. Quality of food and type of cuisine </a:t>
+            </a:r>
+          </a:p>
+        </p:txBody>
+      </p:sp>
+      <p:sp>
+        <p:nvSpPr>
           <p:cNvPr id="6" name="Rectangle: Rounded Corners 5">
             <a:extLst>
               <a:ext uri="{FF2B5EF4-FFF2-40B4-BE49-F238E27FC236}">
@@ -20189,8 +20150,8 @@
         </p:nvSpPr>
         <p:spPr>
           <a:xfrm>
-            <a:off x="874629" y="4975266"/>
-            <a:ext cx="4960233" cy="1655140"/>
+            <a:off x="6550693" y="3606800"/>
+            <a:ext cx="4960233" cy="1879771"/>
           </a:xfrm>
           <a:prstGeom prst="roundRect">
             <a:avLst/>
@@ -23547,15 +23508,6 @@
 </file>
 
 <file path=customXml/item2.xml><?xml version="1.0" encoding="utf-8"?>
-<?mso-contentType ?>
-<FormTemplates xmlns="http://schemas.microsoft.com/sharepoint/v3/contenttype/forms">
-  <Display>DocumentLibraryForm</Display>
-  <Edit>DocumentLibraryForm</Edit>
-  <New>DocumentLibraryForm</New>
-</FormTemplates>
-</file>
-
-<file path=customXml/item3.xml><?xml version="1.0" encoding="utf-8"?>
 <ct:contentTypeSchema xmlns:ct="http://schemas.microsoft.com/office/2006/metadata/contentType" xmlns:ma="http://schemas.microsoft.com/office/2006/metadata/properties/metaAttributes" ct:_="" ma:_="" ma:contentTypeName="Document" ma:contentTypeID="0x01010079F111ED35F8CC479449609E8A0923A6" ma:contentTypeVersion="11" ma:contentTypeDescription="Create a new document." ma:contentTypeScope="" ma:versionID="9677210f24a1be23c92c90fd886aa0aa">
   <xsd:schema xmlns:xsd="http://www.w3.org/2001/XMLSchema" xmlns:xs="http://www.w3.org/2001/XMLSchema" xmlns:p="http://schemas.microsoft.com/office/2006/metadata/properties" xmlns:ns2="71af3243-3dd4-4a8d-8c0d-dd76da1f02a5" xmlns:ns3="16c05727-aa75-4e4a-9b5f-8a80a1165891" targetNamespace="http://schemas.microsoft.com/office/2006/metadata/properties" ma:root="true" ma:fieldsID="60e05723c5c1908df1a1a4ebf11d344e" ns2:_="" ns3:_="">
     <xsd:import namespace="71af3243-3dd4-4a8d-8c0d-dd76da1f02a5"/>
@@ -23766,6 +23718,15 @@
 </ct:contentTypeSchema>
 </file>
 
+<file path=customXml/item3.xml><?xml version="1.0" encoding="utf-8"?>
+<?mso-contentType ?>
+<FormTemplates xmlns="http://schemas.microsoft.com/sharepoint/v3/contenttype/forms">
+  <Display>DocumentLibraryForm</Display>
+  <Edit>DocumentLibraryForm</Edit>
+  <New>DocumentLibraryForm</New>
+</FormTemplates>
+</file>
+
 <file path=customXml/itemProps1.xml><?xml version="1.0" encoding="utf-8"?>
 <ds:datastoreItem xmlns:ds="http://schemas.openxmlformats.org/officeDocument/2006/customXml" ds:itemID="{A872F8CF-3688-4B14-A13A-EB7FF46D2F47}">
   <ds:schemaRefs>
@@ -23777,14 +23738,6 @@
 </file>
 
 <file path=customXml/itemProps2.xml><?xml version="1.0" encoding="utf-8"?>
-<ds:datastoreItem xmlns:ds="http://schemas.openxmlformats.org/officeDocument/2006/customXml" ds:itemID="{C94996C2-A795-46F9-93BE-0C463FDCD1BC}">
-  <ds:schemaRefs>
-    <ds:schemaRef ds:uri="http://schemas.microsoft.com/sharepoint/v3/contenttype/forms"/>
-  </ds:schemaRefs>
-</ds:datastoreItem>
-</file>
-
-<file path=customXml/itemProps3.xml><?xml version="1.0" encoding="utf-8"?>
 <ds:datastoreItem xmlns:ds="http://schemas.openxmlformats.org/officeDocument/2006/customXml" ds:itemID="{75D9C8E3-B635-4963-8B68-3FC691872BB5}">
   <ds:schemaRefs>
     <ds:schemaRef ds:uri="http://schemas.microsoft.com/office/2006/metadata/contentType"/>
@@ -23801,4 +23754,12 @@
     <ds:schemaRef ds:uri="http://schemas.microsoft.com/internal/obd"/>
   </ds:schemaRefs>
 </ds:datastoreItem>
+</file>
+
+<file path=customXml/itemProps3.xml><?xml version="1.0" encoding="utf-8"?>
+<ds:datastoreItem xmlns:ds="http://schemas.openxmlformats.org/officeDocument/2006/customXml" ds:itemID="{C94996C2-A795-46F9-93BE-0C463FDCD1BC}">
+  <ds:schemaRefs>
+    <ds:schemaRef ds:uri="http://schemas.microsoft.com/sharepoint/v3/contenttype/forms"/>
+  </ds:schemaRefs>
+</ds:datastoreItem>
 </file>